--- a/Proiect_QA_Tester Timofte.pptx
+++ b/Proiect_QA_Tester Timofte.pptx
@@ -194,7 +194,7 @@
           <a:noFill/>
           <a:extLst>
             <a:ext uri="{909E8E84-426E-40dd-AFC4-6F175D3DCCD1}">
-              <a14:hiddenFill xmlns="" xmlns:a14="http://schemas.microsoft.com/office/drawing/2010/main">
+              <a14:hiddenFill xmlns:a14="http://schemas.microsoft.com/office/drawing/2010/main" xmlns="">
                 <a:solidFill>
                   <a:srgbClr val="FFFFFF"/>
                 </a:solidFill>
@@ -254,7 +254,7 @@
             </a:ln>
             <a:extLst>
               <a:ext uri="{91240B29-F687-4f45-9708-019B960494DF}">
-                <a14:hiddenLine xmlns="" xmlns:a14="http://schemas.microsoft.com/office/drawing/2010/main" w="9525">
+                <a14:hiddenLine xmlns:a14="http://schemas.microsoft.com/office/drawing/2010/main" xmlns="" w="9525">
                   <a:solidFill>
                     <a:srgbClr val="000000"/>
                   </a:solidFill>
@@ -344,7 +344,7 @@
             </a:ln>
             <a:extLst>
               <a:ext uri="{91240B29-F687-4f45-9708-019B960494DF}">
-                <a14:hiddenLine xmlns="" xmlns:a14="http://schemas.microsoft.com/office/drawing/2010/main" w="9525">
+                <a14:hiddenLine xmlns:a14="http://schemas.microsoft.com/office/drawing/2010/main" xmlns="" w="9525">
                   <a:solidFill>
                     <a:srgbClr val="000000"/>
                   </a:solidFill>
@@ -434,7 +434,7 @@
             </a:ln>
             <a:extLst>
               <a:ext uri="{91240B29-F687-4f45-9708-019B960494DF}">
-                <a14:hiddenLine xmlns="" xmlns:a14="http://schemas.microsoft.com/office/drawing/2010/main" w="9525">
+                <a14:hiddenLine xmlns:a14="http://schemas.microsoft.com/office/drawing/2010/main" xmlns="" w="9525">
                   <a:solidFill>
                     <a:srgbClr val="000000"/>
                   </a:solidFill>
@@ -468,7 +468,7 @@
             </a:ln>
             <a:extLst>
               <a:ext uri="{91240B29-F687-4f45-9708-019B960494DF}">
-                <a14:hiddenLine xmlns="" xmlns:a14="http://schemas.microsoft.com/office/drawing/2010/main" w="9525">
+                <a14:hiddenLine xmlns:a14="http://schemas.microsoft.com/office/drawing/2010/main" xmlns="" w="9525">
                   <a:solidFill>
                     <a:srgbClr val="000000"/>
                   </a:solidFill>
@@ -558,7 +558,7 @@
             </a:ln>
             <a:extLst>
               <a:ext uri="{91240B29-F687-4f45-9708-019B960494DF}">
-                <a14:hiddenLine xmlns="" xmlns:a14="http://schemas.microsoft.com/office/drawing/2010/main" w="9525">
+                <a14:hiddenLine xmlns:a14="http://schemas.microsoft.com/office/drawing/2010/main" xmlns="" w="9525">
                   <a:solidFill>
                     <a:srgbClr val="000000"/>
                   </a:solidFill>
@@ -620,7 +620,7 @@
             </a:ln>
             <a:extLst>
               <a:ext uri="{91240B29-F687-4f45-9708-019B960494DF}">
-                <a14:hiddenLine xmlns="" xmlns:a14="http://schemas.microsoft.com/office/drawing/2010/main" w="9525">
+                <a14:hiddenLine xmlns:a14="http://schemas.microsoft.com/office/drawing/2010/main" xmlns="" w="9525">
                   <a:solidFill>
                     <a:srgbClr val="000000"/>
                   </a:solidFill>
@@ -682,7 +682,7 @@
             </a:ln>
             <a:extLst>
               <a:ext uri="{91240B29-F687-4f45-9708-019B960494DF}">
-                <a14:hiddenLine xmlns="" xmlns:a14="http://schemas.microsoft.com/office/drawing/2010/main" w="9525">
+                <a14:hiddenLine xmlns:a14="http://schemas.microsoft.com/office/drawing/2010/main" xmlns="" w="9525">
                   <a:solidFill>
                     <a:srgbClr val="000000"/>
                   </a:solidFill>
@@ -772,7 +772,7 @@
             </a:ln>
             <a:extLst>
               <a:ext uri="{91240B29-F687-4f45-9708-019B960494DF}">
-                <a14:hiddenLine xmlns="" xmlns:a14="http://schemas.microsoft.com/office/drawing/2010/main" w="9525">
+                <a14:hiddenLine xmlns:a14="http://schemas.microsoft.com/office/drawing/2010/main" xmlns="" w="9525">
                   <a:solidFill>
                     <a:srgbClr val="000000"/>
                   </a:solidFill>
@@ -834,7 +834,7 @@
             </a:ln>
             <a:extLst>
               <a:ext uri="{91240B29-F687-4f45-9708-019B960494DF}">
-                <a14:hiddenLine xmlns="" xmlns:a14="http://schemas.microsoft.com/office/drawing/2010/main" w="9525">
+                <a14:hiddenLine xmlns:a14="http://schemas.microsoft.com/office/drawing/2010/main" xmlns="" w="9525">
                   <a:solidFill>
                     <a:srgbClr val="000000"/>
                   </a:solidFill>
@@ -896,7 +896,7 @@
             </a:ln>
             <a:extLst>
               <a:ext uri="{91240B29-F687-4f45-9708-019B960494DF}">
-                <a14:hiddenLine xmlns="" xmlns:a14="http://schemas.microsoft.com/office/drawing/2010/main" w="9525">
+                <a14:hiddenLine xmlns:a14="http://schemas.microsoft.com/office/drawing/2010/main" xmlns="" w="9525">
                   <a:solidFill>
                     <a:srgbClr val="000000"/>
                   </a:solidFill>
@@ -986,7 +986,7 @@
             </a:ln>
             <a:extLst>
               <a:ext uri="{91240B29-F687-4f45-9708-019B960494DF}">
-                <a14:hiddenLine xmlns="" xmlns:a14="http://schemas.microsoft.com/office/drawing/2010/main" w="9525">
+                <a14:hiddenLine xmlns:a14="http://schemas.microsoft.com/office/drawing/2010/main" xmlns="" w="9525">
                   <a:solidFill>
                     <a:srgbClr val="000000"/>
                   </a:solidFill>
@@ -1076,7 +1076,7 @@
             </a:ln>
             <a:extLst>
               <a:ext uri="{91240B29-F687-4f45-9708-019B960494DF}">
-                <a14:hiddenLine xmlns="" xmlns:a14="http://schemas.microsoft.com/office/drawing/2010/main" w="9525">
+                <a14:hiddenLine xmlns:a14="http://schemas.microsoft.com/office/drawing/2010/main" xmlns="" w="9525">
                   <a:solidFill>
                     <a:srgbClr val="000000"/>
                   </a:solidFill>
@@ -1138,7 +1138,7 @@
             </a:ln>
             <a:extLst>
               <a:ext uri="{91240B29-F687-4f45-9708-019B960494DF}">
-                <a14:hiddenLine xmlns="" xmlns:a14="http://schemas.microsoft.com/office/drawing/2010/main" w="9525">
+                <a14:hiddenLine xmlns:a14="http://schemas.microsoft.com/office/drawing/2010/main" xmlns="" w="9525">
                   <a:solidFill>
                     <a:srgbClr val="000000"/>
                   </a:solidFill>
@@ -1248,7 +1248,7 @@
             </a:ln>
             <a:extLst>
               <a:ext uri="{91240B29-F687-4f45-9708-019B960494DF}">
-                <a14:hiddenLine xmlns="" xmlns:a14="http://schemas.microsoft.com/office/drawing/2010/main" w="9525">
+                <a14:hiddenLine xmlns:a14="http://schemas.microsoft.com/office/drawing/2010/main" xmlns="" w="9525">
                   <a:solidFill>
                     <a:srgbClr val="000000"/>
                   </a:solidFill>
@@ -1310,7 +1310,7 @@
             </a:ln>
             <a:extLst>
               <a:ext uri="{91240B29-F687-4f45-9708-019B960494DF}">
-                <a14:hiddenLine xmlns="" xmlns:a14="http://schemas.microsoft.com/office/drawing/2010/main" w="9525">
+                <a14:hiddenLine xmlns:a14="http://schemas.microsoft.com/office/drawing/2010/main" xmlns="" w="9525">
                   <a:solidFill>
                     <a:srgbClr val="000000"/>
                   </a:solidFill>
@@ -1400,7 +1400,7 @@
             </a:ln>
             <a:extLst>
               <a:ext uri="{91240B29-F687-4f45-9708-019B960494DF}">
-                <a14:hiddenLine xmlns="" xmlns:a14="http://schemas.microsoft.com/office/drawing/2010/main" w="9525">
+                <a14:hiddenLine xmlns:a14="http://schemas.microsoft.com/office/drawing/2010/main" xmlns="" w="9525">
                   <a:solidFill>
                     <a:srgbClr val="000000"/>
                   </a:solidFill>
@@ -1490,7 +1490,7 @@
             </a:ln>
             <a:extLst>
               <a:ext uri="{91240B29-F687-4f45-9708-019B960494DF}">
-                <a14:hiddenLine xmlns="" xmlns:a14="http://schemas.microsoft.com/office/drawing/2010/main" w="9525">
+                <a14:hiddenLine xmlns:a14="http://schemas.microsoft.com/office/drawing/2010/main" xmlns="" w="9525">
                   <a:solidFill>
                     <a:srgbClr val="000000"/>
                   </a:solidFill>
@@ -1552,7 +1552,7 @@
             </a:ln>
             <a:extLst>
               <a:ext uri="{91240B29-F687-4f45-9708-019B960494DF}">
-                <a14:hiddenLine xmlns="" xmlns:a14="http://schemas.microsoft.com/office/drawing/2010/main" w="9525">
+                <a14:hiddenLine xmlns:a14="http://schemas.microsoft.com/office/drawing/2010/main" xmlns="" w="9525">
                   <a:solidFill>
                     <a:srgbClr val="000000"/>
                   </a:solidFill>
@@ -1642,7 +1642,7 @@
             </a:ln>
             <a:extLst>
               <a:ext uri="{91240B29-F687-4f45-9708-019B960494DF}">
-                <a14:hiddenLine xmlns="" xmlns:a14="http://schemas.microsoft.com/office/drawing/2010/main" w="9525">
+                <a14:hiddenLine xmlns:a14="http://schemas.microsoft.com/office/drawing/2010/main" xmlns="" w="9525">
                   <a:solidFill>
                     <a:srgbClr val="000000"/>
                   </a:solidFill>
@@ -1732,7 +1732,7 @@
             </a:ln>
             <a:extLst>
               <a:ext uri="{91240B29-F687-4f45-9708-019B960494DF}">
-                <a14:hiddenLine xmlns="" xmlns:a14="http://schemas.microsoft.com/office/drawing/2010/main" w="9525">
+                <a14:hiddenLine xmlns:a14="http://schemas.microsoft.com/office/drawing/2010/main" xmlns="" w="9525">
                   <a:solidFill>
                     <a:srgbClr val="000000"/>
                   </a:solidFill>
@@ -1788,7 +1788,7 @@
             </a:ln>
             <a:extLst>
               <a:ext uri="{91240B29-F687-4f45-9708-019B960494DF}">
-                <a14:hiddenLine xmlns="" xmlns:a14="http://schemas.microsoft.com/office/drawing/2010/main" w="9525">
+                <a14:hiddenLine xmlns:a14="http://schemas.microsoft.com/office/drawing/2010/main" xmlns="" w="9525">
                   <a:solidFill>
                     <a:srgbClr val="000000"/>
                   </a:solidFill>
@@ -1878,7 +1878,7 @@
             </a:ln>
             <a:extLst>
               <a:ext uri="{91240B29-F687-4f45-9708-019B960494DF}">
-                <a14:hiddenLine xmlns="" xmlns:a14="http://schemas.microsoft.com/office/drawing/2010/main" w="9525">
+                <a14:hiddenLine xmlns:a14="http://schemas.microsoft.com/office/drawing/2010/main" xmlns="" w="9525">
                   <a:solidFill>
                     <a:srgbClr val="000000"/>
                   </a:solidFill>
@@ -1934,7 +1934,7 @@
             </a:ln>
             <a:extLst>
               <a:ext uri="{91240B29-F687-4f45-9708-019B960494DF}">
-                <a14:hiddenLine xmlns="" xmlns:a14="http://schemas.microsoft.com/office/drawing/2010/main" w="9525">
+                <a14:hiddenLine xmlns:a14="http://schemas.microsoft.com/office/drawing/2010/main" xmlns="" w="9525">
                   <a:solidFill>
                     <a:srgbClr val="000000"/>
                   </a:solidFill>
@@ -2024,7 +2024,7 @@
             </a:ln>
             <a:extLst>
               <a:ext uri="{91240B29-F687-4f45-9708-019B960494DF}">
-                <a14:hiddenLine xmlns="" xmlns:a14="http://schemas.microsoft.com/office/drawing/2010/main" w="9525">
+                <a14:hiddenLine xmlns:a14="http://schemas.microsoft.com/office/drawing/2010/main" xmlns="" w="9525">
                   <a:solidFill>
                     <a:srgbClr val="000000"/>
                   </a:solidFill>
@@ -2092,7 +2092,7 @@
             </a:ln>
             <a:extLst>
               <a:ext uri="{91240B29-F687-4f45-9708-019B960494DF}">
-                <a14:hiddenLine xmlns="" xmlns:a14="http://schemas.microsoft.com/office/drawing/2010/main" w="9525">
+                <a14:hiddenLine xmlns:a14="http://schemas.microsoft.com/office/drawing/2010/main" xmlns="" w="9525">
                   <a:solidFill>
                     <a:srgbClr val="000000"/>
                   </a:solidFill>
@@ -2182,7 +2182,7 @@
             </a:ln>
             <a:extLst>
               <a:ext uri="{91240B29-F687-4f45-9708-019B960494DF}">
-                <a14:hiddenLine xmlns="" xmlns:a14="http://schemas.microsoft.com/office/drawing/2010/main" w="9525">
+                <a14:hiddenLine xmlns:a14="http://schemas.microsoft.com/office/drawing/2010/main" xmlns="" w="9525">
                   <a:solidFill>
                     <a:srgbClr val="000000"/>
                   </a:solidFill>
@@ -2250,7 +2250,7 @@
             </a:ln>
             <a:extLst>
               <a:ext uri="{91240B29-F687-4f45-9708-019B960494DF}">
-                <a14:hiddenLine xmlns="" xmlns:a14="http://schemas.microsoft.com/office/drawing/2010/main" w="9525">
+                <a14:hiddenLine xmlns:a14="http://schemas.microsoft.com/office/drawing/2010/main" xmlns="" w="9525">
                   <a:solidFill>
                     <a:srgbClr val="000000"/>
                   </a:solidFill>
@@ -2340,7 +2340,7 @@
             </a:ln>
             <a:extLst>
               <a:ext uri="{91240B29-F687-4f45-9708-019B960494DF}">
-                <a14:hiddenLine xmlns="" xmlns:a14="http://schemas.microsoft.com/office/drawing/2010/main" w="9525">
+                <a14:hiddenLine xmlns:a14="http://schemas.microsoft.com/office/drawing/2010/main" xmlns="" w="9525">
                   <a:solidFill>
                     <a:srgbClr val="000000"/>
                   </a:solidFill>
@@ -2374,7 +2374,7 @@
             </a:ln>
             <a:extLst>
               <a:ext uri="{91240B29-F687-4f45-9708-019B960494DF}">
-                <a14:hiddenLine xmlns="" xmlns:a14="http://schemas.microsoft.com/office/drawing/2010/main" w="9525">
+                <a14:hiddenLine xmlns:a14="http://schemas.microsoft.com/office/drawing/2010/main" xmlns="" w="9525">
                   <a:solidFill>
                     <a:srgbClr val="000000"/>
                   </a:solidFill>
@@ -2464,7 +2464,7 @@
             </a:ln>
             <a:extLst>
               <a:ext uri="{91240B29-F687-4f45-9708-019B960494DF}">
-                <a14:hiddenLine xmlns="" xmlns:a14="http://schemas.microsoft.com/office/drawing/2010/main" w="9525">
+                <a14:hiddenLine xmlns:a14="http://schemas.microsoft.com/office/drawing/2010/main" xmlns="" w="9525">
                   <a:solidFill>
                     <a:srgbClr val="000000"/>
                   </a:solidFill>
@@ -2526,7 +2526,7 @@
             </a:ln>
             <a:extLst>
               <a:ext uri="{91240B29-F687-4f45-9708-019B960494DF}">
-                <a14:hiddenLine xmlns="" xmlns:a14="http://schemas.microsoft.com/office/drawing/2010/main" w="9525">
+                <a14:hiddenLine xmlns:a14="http://schemas.microsoft.com/office/drawing/2010/main" xmlns="" w="9525">
                   <a:solidFill>
                     <a:srgbClr val="000000"/>
                   </a:solidFill>
@@ -2588,7 +2588,7 @@
             </a:ln>
             <a:extLst>
               <a:ext uri="{91240B29-F687-4f45-9708-019B960494DF}">
-                <a14:hiddenLine xmlns="" xmlns:a14="http://schemas.microsoft.com/office/drawing/2010/main" w="9525">
+                <a14:hiddenLine xmlns:a14="http://schemas.microsoft.com/office/drawing/2010/main" xmlns="" w="9525">
                   <a:solidFill>
                     <a:srgbClr val="000000"/>
                   </a:solidFill>
@@ -2678,7 +2678,7 @@
             </a:ln>
             <a:extLst>
               <a:ext uri="{91240B29-F687-4f45-9708-019B960494DF}">
-                <a14:hiddenLine xmlns="" xmlns:a14="http://schemas.microsoft.com/office/drawing/2010/main" w="9525">
+                <a14:hiddenLine xmlns:a14="http://schemas.microsoft.com/office/drawing/2010/main" xmlns="" w="9525">
                   <a:solidFill>
                     <a:srgbClr val="000000"/>
                   </a:solidFill>
@@ -2746,7 +2746,7 @@
             </a:ln>
             <a:extLst>
               <a:ext uri="{91240B29-F687-4f45-9708-019B960494DF}">
-                <a14:hiddenLine xmlns="" xmlns:a14="http://schemas.microsoft.com/office/drawing/2010/main" w="9525">
+                <a14:hiddenLine xmlns:a14="http://schemas.microsoft.com/office/drawing/2010/main" xmlns="" w="9525">
                   <a:solidFill>
                     <a:srgbClr val="000000"/>
                   </a:solidFill>
@@ -2808,7 +2808,7 @@
             </a:ln>
             <a:extLst>
               <a:ext uri="{91240B29-F687-4f45-9708-019B960494DF}">
-                <a14:hiddenLine xmlns="" xmlns:a14="http://schemas.microsoft.com/office/drawing/2010/main" w="9525">
+                <a14:hiddenLine xmlns:a14="http://schemas.microsoft.com/office/drawing/2010/main" xmlns="" w="9525">
                   <a:solidFill>
                     <a:srgbClr val="000000"/>
                   </a:solidFill>
@@ -2898,7 +2898,7 @@
             </a:ln>
             <a:extLst>
               <a:ext uri="{91240B29-F687-4f45-9708-019B960494DF}">
-                <a14:hiddenLine xmlns="" xmlns:a14="http://schemas.microsoft.com/office/drawing/2010/main" w="9525">
+                <a14:hiddenLine xmlns:a14="http://schemas.microsoft.com/office/drawing/2010/main" xmlns="" w="9525">
                   <a:solidFill>
                     <a:srgbClr val="000000"/>
                   </a:solidFill>
@@ -2960,7 +2960,7 @@
             </a:ln>
             <a:extLst>
               <a:ext uri="{91240B29-F687-4f45-9708-019B960494DF}">
-                <a14:hiddenLine xmlns="" xmlns:a14="http://schemas.microsoft.com/office/drawing/2010/main" w="9525">
+                <a14:hiddenLine xmlns:a14="http://schemas.microsoft.com/office/drawing/2010/main" xmlns="" w="9525">
                   <a:solidFill>
                     <a:srgbClr val="000000"/>
                   </a:solidFill>
@@ -3050,7 +3050,7 @@
             </a:ln>
             <a:extLst>
               <a:ext uri="{91240B29-F687-4f45-9708-019B960494DF}">
-                <a14:hiddenLine xmlns="" xmlns:a14="http://schemas.microsoft.com/office/drawing/2010/main" w="9525">
+                <a14:hiddenLine xmlns:a14="http://schemas.microsoft.com/office/drawing/2010/main" xmlns="" w="9525">
                   <a:solidFill>
                     <a:srgbClr val="000000"/>
                   </a:solidFill>
@@ -3112,7 +3112,7 @@
             </a:ln>
             <a:extLst>
               <a:ext uri="{91240B29-F687-4f45-9708-019B960494DF}">
-                <a14:hiddenLine xmlns="" xmlns:a14="http://schemas.microsoft.com/office/drawing/2010/main" w="9525">
+                <a14:hiddenLine xmlns:a14="http://schemas.microsoft.com/office/drawing/2010/main" xmlns="" w="9525">
                   <a:solidFill>
                     <a:srgbClr val="000000"/>
                   </a:solidFill>
@@ -3202,7 +3202,7 @@
             </a:ln>
             <a:extLst>
               <a:ext uri="{91240B29-F687-4f45-9708-019B960494DF}">
-                <a14:hiddenLine xmlns="" xmlns:a14="http://schemas.microsoft.com/office/drawing/2010/main" w="9525">
+                <a14:hiddenLine xmlns:a14="http://schemas.microsoft.com/office/drawing/2010/main" xmlns="" w="9525">
                   <a:solidFill>
                     <a:srgbClr val="000000"/>
                   </a:solidFill>
@@ -3236,7 +3236,7 @@
             </a:ln>
             <a:extLst>
               <a:ext uri="{91240B29-F687-4f45-9708-019B960494DF}">
-                <a14:hiddenLine xmlns="" xmlns:a14="http://schemas.microsoft.com/office/drawing/2010/main" w="9525">
+                <a14:hiddenLine xmlns:a14="http://schemas.microsoft.com/office/drawing/2010/main" xmlns="" w="9525">
                   <a:solidFill>
                     <a:srgbClr val="000000"/>
                   </a:solidFill>
@@ -3301,7 +3301,7 @@
             </a:ln>
             <a:extLst>
               <a:ext uri="{91240B29-F687-4f45-9708-019B960494DF}">
-                <a14:hiddenLine xmlns="" xmlns:a14="http://schemas.microsoft.com/office/drawing/2010/main" w="9525">
+                <a14:hiddenLine xmlns:a14="http://schemas.microsoft.com/office/drawing/2010/main" xmlns="" w="9525">
                   <a:solidFill>
                     <a:srgbClr val="000000"/>
                   </a:solidFill>
@@ -3391,7 +3391,7 @@
             </a:ln>
             <a:extLst>
               <a:ext uri="{91240B29-F687-4f45-9708-019B960494DF}">
-                <a14:hiddenLine xmlns="" xmlns:a14="http://schemas.microsoft.com/office/drawing/2010/main" w="9525">
+                <a14:hiddenLine xmlns:a14="http://schemas.microsoft.com/office/drawing/2010/main" xmlns="" w="9525">
                   <a:solidFill>
                     <a:srgbClr val="000000"/>
                   </a:solidFill>
@@ -3453,7 +3453,7 @@
             </a:ln>
             <a:extLst>
               <a:ext uri="{91240B29-F687-4f45-9708-019B960494DF}">
-                <a14:hiddenLine xmlns="" xmlns:a14="http://schemas.microsoft.com/office/drawing/2010/main" w="9525">
+                <a14:hiddenLine xmlns:a14="http://schemas.microsoft.com/office/drawing/2010/main" xmlns="" w="9525">
                   <a:solidFill>
                     <a:srgbClr val="000000"/>
                   </a:solidFill>
@@ -3543,7 +3543,7 @@
             </a:ln>
             <a:extLst>
               <a:ext uri="{91240B29-F687-4f45-9708-019B960494DF}">
-                <a14:hiddenLine xmlns="" xmlns:a14="http://schemas.microsoft.com/office/drawing/2010/main" w="9525">
+                <a14:hiddenLine xmlns:a14="http://schemas.microsoft.com/office/drawing/2010/main" xmlns="" w="9525">
                   <a:solidFill>
                     <a:srgbClr val="000000"/>
                   </a:solidFill>
@@ -3633,7 +3633,7 @@
             </a:ln>
             <a:extLst>
               <a:ext uri="{91240B29-F687-4f45-9708-019B960494DF}">
-                <a14:hiddenLine xmlns="" xmlns:a14="http://schemas.microsoft.com/office/drawing/2010/main" w="9525">
+                <a14:hiddenLine xmlns:a14="http://schemas.microsoft.com/office/drawing/2010/main" xmlns="" w="9525">
                   <a:solidFill>
                     <a:srgbClr val="000000"/>
                   </a:solidFill>
@@ -3698,7 +3698,7 @@
             </a:ln>
             <a:extLst>
               <a:ext uri="{91240B29-F687-4f45-9708-019B960494DF}">
-                <a14:hiddenLine xmlns="" xmlns:a14="http://schemas.microsoft.com/office/drawing/2010/main" w="9525">
+                <a14:hiddenLine xmlns:a14="http://schemas.microsoft.com/office/drawing/2010/main" xmlns="" w="9525">
                   <a:solidFill>
                     <a:srgbClr val="000000"/>
                   </a:solidFill>
@@ -3760,7 +3760,7 @@
             </a:ln>
             <a:extLst>
               <a:ext uri="{91240B29-F687-4f45-9708-019B960494DF}">
-                <a14:hiddenLine xmlns="" xmlns:a14="http://schemas.microsoft.com/office/drawing/2010/main" w="9525">
+                <a14:hiddenLine xmlns:a14="http://schemas.microsoft.com/office/drawing/2010/main" xmlns="" w="9525">
                   <a:solidFill>
                     <a:srgbClr val="000000"/>
                   </a:solidFill>
@@ -3850,7 +3850,7 @@
             </a:ln>
             <a:extLst>
               <a:ext uri="{91240B29-F687-4f45-9708-019B960494DF}">
-                <a14:hiddenLine xmlns="" xmlns:a14="http://schemas.microsoft.com/office/drawing/2010/main" w="9525">
+                <a14:hiddenLine xmlns:a14="http://schemas.microsoft.com/office/drawing/2010/main" xmlns="" w="9525">
                   <a:solidFill>
                     <a:srgbClr val="000000"/>
                   </a:solidFill>
@@ -3940,7 +3940,7 @@
             </a:ln>
             <a:extLst>
               <a:ext uri="{91240B29-F687-4f45-9708-019B960494DF}">
-                <a14:hiddenLine xmlns="" xmlns:a14="http://schemas.microsoft.com/office/drawing/2010/main" w="9525">
+                <a14:hiddenLine xmlns:a14="http://schemas.microsoft.com/office/drawing/2010/main" xmlns="" w="9525">
                   <a:solidFill>
                     <a:srgbClr val="000000"/>
                   </a:solidFill>
@@ -4002,7 +4002,7 @@
             </a:ln>
             <a:extLst>
               <a:ext uri="{91240B29-F687-4f45-9708-019B960494DF}">
-                <a14:hiddenLine xmlns="" xmlns:a14="http://schemas.microsoft.com/office/drawing/2010/main" w="9525">
+                <a14:hiddenLine xmlns:a14="http://schemas.microsoft.com/office/drawing/2010/main" xmlns="" w="9525">
                   <a:solidFill>
                     <a:srgbClr val="000000"/>
                   </a:solidFill>
@@ -4122,7 +4122,7 @@
             </a:ln>
             <a:extLst>
               <a:ext uri="{91240B29-F687-4f45-9708-019B960494DF}">
-                <a14:hiddenLine xmlns="" xmlns:a14="http://schemas.microsoft.com/office/drawing/2010/main" w="9525">
+                <a14:hiddenLine xmlns:a14="http://schemas.microsoft.com/office/drawing/2010/main" xmlns="" w="9525">
                   <a:solidFill>
                     <a:srgbClr val="000000"/>
                   </a:solidFill>
@@ -4190,7 +4190,7 @@
             </a:ln>
             <a:extLst>
               <a:ext uri="{91240B29-F687-4f45-9708-019B960494DF}">
-                <a14:hiddenLine xmlns="" xmlns:a14="http://schemas.microsoft.com/office/drawing/2010/main" w="9525">
+                <a14:hiddenLine xmlns:a14="http://schemas.microsoft.com/office/drawing/2010/main" xmlns="" w="9525">
                   <a:solidFill>
                     <a:srgbClr val="000000"/>
                   </a:solidFill>
@@ -4280,7 +4280,7 @@
             </a:ln>
             <a:extLst>
               <a:ext uri="{91240B29-F687-4f45-9708-019B960494DF}">
-                <a14:hiddenLine xmlns="" xmlns:a14="http://schemas.microsoft.com/office/drawing/2010/main" w="9525">
+                <a14:hiddenLine xmlns:a14="http://schemas.microsoft.com/office/drawing/2010/main" xmlns="" w="9525">
                   <a:solidFill>
                     <a:srgbClr val="000000"/>
                   </a:solidFill>
@@ -9095,7 +9095,7 @@
           <a:noFill/>
           <a:extLst>
             <a:ext uri="{909E8E84-426E-40dd-AFC4-6F175D3DCCD1}">
-              <a14:hiddenFill xmlns="" xmlns:a14="http://schemas.microsoft.com/office/drawing/2010/main">
+              <a14:hiddenFill xmlns:a14="http://schemas.microsoft.com/office/drawing/2010/main" xmlns="">
                 <a:solidFill>
                   <a:srgbClr val="FFFFFF"/>
                 </a:solidFill>
@@ -9169,7 +9169,7 @@
               </a:ln>
               <a:extLst>
                 <a:ext uri="{91240B29-F687-4f45-9708-019B960494DF}">
-                  <a14:hiddenLine xmlns="" xmlns:a14="http://schemas.microsoft.com/office/drawing/2010/main" w="9525">
+                  <a14:hiddenLine xmlns:a14="http://schemas.microsoft.com/office/drawing/2010/main" xmlns="" w="9525">
                     <a:solidFill>
                       <a:srgbClr val="000000"/>
                     </a:solidFill>
@@ -9259,7 +9259,7 @@
               </a:ln>
               <a:extLst>
                 <a:ext uri="{91240B29-F687-4f45-9708-019B960494DF}">
-                  <a14:hiddenLine xmlns="" xmlns:a14="http://schemas.microsoft.com/office/drawing/2010/main" w="9525">
+                  <a14:hiddenLine xmlns:a14="http://schemas.microsoft.com/office/drawing/2010/main" xmlns="" w="9525">
                     <a:solidFill>
                       <a:srgbClr val="000000"/>
                     </a:solidFill>
@@ -9349,7 +9349,7 @@
               </a:ln>
               <a:extLst>
                 <a:ext uri="{91240B29-F687-4f45-9708-019B960494DF}">
-                  <a14:hiddenLine xmlns="" xmlns:a14="http://schemas.microsoft.com/office/drawing/2010/main" w="9525">
+                  <a14:hiddenLine xmlns:a14="http://schemas.microsoft.com/office/drawing/2010/main" xmlns="" w="9525">
                     <a:solidFill>
                       <a:srgbClr val="000000"/>
                     </a:solidFill>
@@ -9411,7 +9411,7 @@
               </a:ln>
               <a:extLst>
                 <a:ext uri="{91240B29-F687-4f45-9708-019B960494DF}">
-                  <a14:hiddenLine xmlns="" xmlns:a14="http://schemas.microsoft.com/office/drawing/2010/main" w="9525">
+                  <a14:hiddenLine xmlns:a14="http://schemas.microsoft.com/office/drawing/2010/main" xmlns="" w="9525">
                     <a:solidFill>
                       <a:srgbClr val="000000"/>
                     </a:solidFill>
@@ -9501,7 +9501,7 @@
               </a:ln>
               <a:extLst>
                 <a:ext uri="{91240B29-F687-4f45-9708-019B960494DF}">
-                  <a14:hiddenLine xmlns="" xmlns:a14="http://schemas.microsoft.com/office/drawing/2010/main" w="9525">
+                  <a14:hiddenLine xmlns:a14="http://schemas.microsoft.com/office/drawing/2010/main" xmlns="" w="9525">
                     <a:solidFill>
                       <a:srgbClr val="000000"/>
                     </a:solidFill>
@@ -9563,7 +9563,7 @@
               </a:ln>
               <a:extLst>
                 <a:ext uri="{91240B29-F687-4f45-9708-019B960494DF}">
-                  <a14:hiddenLine xmlns="" xmlns:a14="http://schemas.microsoft.com/office/drawing/2010/main" w="9525">
+                  <a14:hiddenLine xmlns:a14="http://schemas.microsoft.com/office/drawing/2010/main" xmlns="" w="9525">
                     <a:solidFill>
                       <a:srgbClr val="000000"/>
                     </a:solidFill>
@@ -9625,7 +9625,7 @@
               </a:ln>
               <a:extLst>
                 <a:ext uri="{91240B29-F687-4f45-9708-019B960494DF}">
-                  <a14:hiddenLine xmlns="" xmlns:a14="http://schemas.microsoft.com/office/drawing/2010/main" w="9525">
+                  <a14:hiddenLine xmlns:a14="http://schemas.microsoft.com/office/drawing/2010/main" xmlns="" w="9525">
                     <a:solidFill>
                       <a:srgbClr val="000000"/>
                     </a:solidFill>
@@ -9715,7 +9715,7 @@
               </a:ln>
               <a:extLst>
                 <a:ext uri="{91240B29-F687-4f45-9708-019B960494DF}">
-                  <a14:hiddenLine xmlns="" xmlns:a14="http://schemas.microsoft.com/office/drawing/2010/main" w="9525">
+                  <a14:hiddenLine xmlns:a14="http://schemas.microsoft.com/office/drawing/2010/main" xmlns="" w="9525">
                     <a:solidFill>
                       <a:srgbClr val="000000"/>
                     </a:solidFill>
@@ -9805,7 +9805,7 @@
               </a:ln>
               <a:extLst>
                 <a:ext uri="{91240B29-F687-4f45-9708-019B960494DF}">
-                  <a14:hiddenLine xmlns="" xmlns:a14="http://schemas.microsoft.com/office/drawing/2010/main" w="9525">
+                  <a14:hiddenLine xmlns:a14="http://schemas.microsoft.com/office/drawing/2010/main" xmlns="" w="9525">
                     <a:solidFill>
                       <a:srgbClr val="000000"/>
                     </a:solidFill>
@@ -9867,7 +9867,7 @@
               </a:ln>
               <a:extLst>
                 <a:ext uri="{91240B29-F687-4f45-9708-019B960494DF}">
-                  <a14:hiddenLine xmlns="" xmlns:a14="http://schemas.microsoft.com/office/drawing/2010/main" w="9525">
+                  <a14:hiddenLine xmlns:a14="http://schemas.microsoft.com/office/drawing/2010/main" xmlns="" w="9525">
                     <a:solidFill>
                       <a:srgbClr val="000000"/>
                     </a:solidFill>
@@ -9977,7 +9977,7 @@
               </a:ln>
               <a:extLst>
                 <a:ext uri="{91240B29-F687-4f45-9708-019B960494DF}">
-                  <a14:hiddenLine xmlns="" xmlns:a14="http://schemas.microsoft.com/office/drawing/2010/main" w="9525">
+                  <a14:hiddenLine xmlns:a14="http://schemas.microsoft.com/office/drawing/2010/main" xmlns="" w="9525">
                     <a:solidFill>
                       <a:srgbClr val="000000"/>
                     </a:solidFill>
@@ -10061,7 +10061,7 @@
               </a:ln>
               <a:extLst>
                 <a:ext uri="{91240B29-F687-4f45-9708-019B960494DF}">
-                  <a14:hiddenLine xmlns="" xmlns:a14="http://schemas.microsoft.com/office/drawing/2010/main" w="9525">
+                  <a14:hiddenLine xmlns:a14="http://schemas.microsoft.com/office/drawing/2010/main" xmlns="" w="9525">
                     <a:solidFill>
                       <a:srgbClr val="000000"/>
                     </a:solidFill>
@@ -10123,7 +10123,7 @@
               </a:ln>
               <a:extLst>
                 <a:ext uri="{91240B29-F687-4f45-9708-019B960494DF}">
-                  <a14:hiddenLine xmlns="" xmlns:a14="http://schemas.microsoft.com/office/drawing/2010/main" w="9525">
+                  <a14:hiddenLine xmlns:a14="http://schemas.microsoft.com/office/drawing/2010/main" xmlns="" w="9525">
                     <a:solidFill>
                       <a:srgbClr val="000000"/>
                     </a:solidFill>
@@ -10185,7 +10185,7 @@
               </a:ln>
               <a:extLst>
                 <a:ext uri="{91240B29-F687-4f45-9708-019B960494DF}">
-                  <a14:hiddenLine xmlns="" xmlns:a14="http://schemas.microsoft.com/office/drawing/2010/main" w="9525">
+                  <a14:hiddenLine xmlns:a14="http://schemas.microsoft.com/office/drawing/2010/main" xmlns="" w="9525">
                     <a:solidFill>
                       <a:srgbClr val="000000"/>
                     </a:solidFill>
@@ -10275,7 +10275,7 @@
               </a:ln>
               <a:extLst>
                 <a:ext uri="{91240B29-F687-4f45-9708-019B960494DF}">
-                  <a14:hiddenLine xmlns="" xmlns:a14="http://schemas.microsoft.com/office/drawing/2010/main" w="9525">
+                  <a14:hiddenLine xmlns:a14="http://schemas.microsoft.com/office/drawing/2010/main" xmlns="" w="9525">
                     <a:solidFill>
                       <a:srgbClr val="000000"/>
                     </a:solidFill>
@@ -10309,7 +10309,7 @@
               </a:ln>
               <a:extLst>
                 <a:ext uri="{91240B29-F687-4f45-9708-019B960494DF}">
-                  <a14:hiddenLine xmlns="" xmlns:a14="http://schemas.microsoft.com/office/drawing/2010/main" w="9525">
+                  <a14:hiddenLine xmlns:a14="http://schemas.microsoft.com/office/drawing/2010/main" xmlns="" w="9525">
                     <a:solidFill>
                       <a:srgbClr val="000000"/>
                     </a:solidFill>
@@ -10374,7 +10374,7 @@
               </a:ln>
               <a:extLst>
                 <a:ext uri="{91240B29-F687-4f45-9708-019B960494DF}">
-                  <a14:hiddenLine xmlns="" xmlns:a14="http://schemas.microsoft.com/office/drawing/2010/main" w="9525">
+                  <a14:hiddenLine xmlns:a14="http://schemas.microsoft.com/office/drawing/2010/main" xmlns="" w="9525">
                     <a:solidFill>
                       <a:srgbClr val="000000"/>
                     </a:solidFill>
@@ -10464,7 +10464,7 @@
               </a:ln>
               <a:extLst>
                 <a:ext uri="{91240B29-F687-4f45-9708-019B960494DF}">
-                  <a14:hiddenLine xmlns="" xmlns:a14="http://schemas.microsoft.com/office/drawing/2010/main" w="9525">
+                  <a14:hiddenLine xmlns:a14="http://schemas.microsoft.com/office/drawing/2010/main" xmlns="" w="9525">
                     <a:solidFill>
                       <a:srgbClr val="000000"/>
                     </a:solidFill>
@@ -10526,7 +10526,7 @@
               </a:ln>
               <a:extLst>
                 <a:ext uri="{91240B29-F687-4f45-9708-019B960494DF}">
-                  <a14:hiddenLine xmlns="" xmlns:a14="http://schemas.microsoft.com/office/drawing/2010/main" w="9525">
+                  <a14:hiddenLine xmlns:a14="http://schemas.microsoft.com/office/drawing/2010/main" xmlns="" w="9525">
                     <a:solidFill>
                       <a:srgbClr val="000000"/>
                     </a:solidFill>
@@ -10616,7 +10616,7 @@
               </a:ln>
               <a:extLst>
                 <a:ext uri="{91240B29-F687-4f45-9708-019B960494DF}">
-                  <a14:hiddenLine xmlns="" xmlns:a14="http://schemas.microsoft.com/office/drawing/2010/main" w="9525">
+                  <a14:hiddenLine xmlns:a14="http://schemas.microsoft.com/office/drawing/2010/main" xmlns="" w="9525">
                     <a:solidFill>
                       <a:srgbClr val="000000"/>
                     </a:solidFill>
@@ -10681,7 +10681,7 @@
               </a:ln>
               <a:extLst>
                 <a:ext uri="{91240B29-F687-4f45-9708-019B960494DF}">
-                  <a14:hiddenLine xmlns="" xmlns:a14="http://schemas.microsoft.com/office/drawing/2010/main" w="9525">
+                  <a14:hiddenLine xmlns:a14="http://schemas.microsoft.com/office/drawing/2010/main" xmlns="" w="9525">
                     <a:solidFill>
                       <a:srgbClr val="000000"/>
                     </a:solidFill>
@@ -10743,7 +10743,7 @@
               </a:ln>
               <a:extLst>
                 <a:ext uri="{91240B29-F687-4f45-9708-019B960494DF}">
-                  <a14:hiddenLine xmlns="" xmlns:a14="http://schemas.microsoft.com/office/drawing/2010/main" w="9525">
+                  <a14:hiddenLine xmlns:a14="http://schemas.microsoft.com/office/drawing/2010/main" xmlns="" w="9525">
                     <a:solidFill>
                       <a:srgbClr val="000000"/>
                     </a:solidFill>
@@ -10833,7 +10833,7 @@
               </a:ln>
               <a:extLst>
                 <a:ext uri="{91240B29-F687-4f45-9708-019B960494DF}">
-                  <a14:hiddenLine xmlns="" xmlns:a14="http://schemas.microsoft.com/office/drawing/2010/main" w="9525">
+                  <a14:hiddenLine xmlns:a14="http://schemas.microsoft.com/office/drawing/2010/main" xmlns="" w="9525">
                     <a:solidFill>
                       <a:srgbClr val="000000"/>
                     </a:solidFill>
@@ -10923,7 +10923,7 @@
               </a:ln>
               <a:extLst>
                 <a:ext uri="{91240B29-F687-4f45-9708-019B960494DF}">
-                  <a14:hiddenLine xmlns="" xmlns:a14="http://schemas.microsoft.com/office/drawing/2010/main" w="9525">
+                  <a14:hiddenLine xmlns:a14="http://schemas.microsoft.com/office/drawing/2010/main" xmlns="" w="9525">
                     <a:solidFill>
                       <a:srgbClr val="000000"/>
                     </a:solidFill>
@@ -10988,7 +10988,7 @@
               </a:ln>
               <a:extLst>
                 <a:ext uri="{91240B29-F687-4f45-9708-019B960494DF}">
-                  <a14:hiddenLine xmlns="" xmlns:a14="http://schemas.microsoft.com/office/drawing/2010/main" w="9525">
+                  <a14:hiddenLine xmlns:a14="http://schemas.microsoft.com/office/drawing/2010/main" xmlns="" w="9525">
                     <a:solidFill>
                       <a:srgbClr val="000000"/>
                     </a:solidFill>
@@ -11108,7 +11108,7 @@
               </a:ln>
               <a:extLst>
                 <a:ext uri="{91240B29-F687-4f45-9708-019B960494DF}">
-                  <a14:hiddenLine xmlns="" xmlns:a14="http://schemas.microsoft.com/office/drawing/2010/main" w="9525">
+                  <a14:hiddenLine xmlns:a14="http://schemas.microsoft.com/office/drawing/2010/main" xmlns="" w="9525">
                     <a:solidFill>
                       <a:srgbClr val="000000"/>
                     </a:solidFill>
@@ -11206,7 +11206,7 @@
               </a:ln>
               <a:extLst>
                 <a:ext uri="{91240B29-F687-4f45-9708-019B960494DF}">
-                  <a14:hiddenLine xmlns="" xmlns:a14="http://schemas.microsoft.com/office/drawing/2010/main" w="9525">
+                  <a14:hiddenLine xmlns:a14="http://schemas.microsoft.com/office/drawing/2010/main" xmlns="" w="9525">
                     <a:solidFill>
                       <a:srgbClr val="000000"/>
                     </a:solidFill>
@@ -11321,7 +11321,7 @@
               </a:ln>
               <a:extLst>
                 <a:ext uri="{91240B29-F687-4f45-9708-019B960494DF}">
-                  <a14:hiddenLine xmlns="" xmlns:a14="http://schemas.microsoft.com/office/drawing/2010/main" w="9525">
+                  <a14:hiddenLine xmlns:a14="http://schemas.microsoft.com/office/drawing/2010/main" xmlns="" w="9525">
                     <a:solidFill>
                       <a:srgbClr val="000000"/>
                     </a:solidFill>
@@ -11411,7 +11411,7 @@
               </a:ln>
               <a:extLst>
                 <a:ext uri="{91240B29-F687-4f45-9708-019B960494DF}">
-                  <a14:hiddenLine xmlns="" xmlns:a14="http://schemas.microsoft.com/office/drawing/2010/main" w="9525">
+                  <a14:hiddenLine xmlns:a14="http://schemas.microsoft.com/office/drawing/2010/main" xmlns="" w="9525">
                     <a:solidFill>
                       <a:srgbClr val="000000"/>
                     </a:solidFill>
@@ -11476,7 +11476,7 @@
               </a:ln>
               <a:extLst>
                 <a:ext uri="{91240B29-F687-4f45-9708-019B960494DF}">
-                  <a14:hiddenLine xmlns="" xmlns:a14="http://schemas.microsoft.com/office/drawing/2010/main" w="9525">
+                  <a14:hiddenLine xmlns:a14="http://schemas.microsoft.com/office/drawing/2010/main" xmlns="" w="9525">
                     <a:solidFill>
                       <a:srgbClr val="000000"/>
                     </a:solidFill>
@@ -11566,7 +11566,7 @@
               </a:ln>
               <a:extLst>
                 <a:ext uri="{91240B29-F687-4f45-9708-019B960494DF}">
-                  <a14:hiddenLine xmlns="" xmlns:a14="http://schemas.microsoft.com/office/drawing/2010/main" w="9525">
+                  <a14:hiddenLine xmlns:a14="http://schemas.microsoft.com/office/drawing/2010/main" xmlns="" w="9525">
                     <a:solidFill>
                       <a:srgbClr val="000000"/>
                     </a:solidFill>
@@ -11634,7 +11634,7 @@
               </a:ln>
               <a:extLst>
                 <a:ext uri="{91240B29-F687-4f45-9708-019B960494DF}">
-                  <a14:hiddenLine xmlns="" xmlns:a14="http://schemas.microsoft.com/office/drawing/2010/main" w="9525">
+                  <a14:hiddenLine xmlns:a14="http://schemas.microsoft.com/office/drawing/2010/main" xmlns="" w="9525">
                     <a:solidFill>
                       <a:srgbClr val="000000"/>
                     </a:solidFill>
@@ -11724,7 +11724,7 @@
               </a:ln>
               <a:extLst>
                 <a:ext uri="{91240B29-F687-4f45-9708-019B960494DF}">
-                  <a14:hiddenLine xmlns="" xmlns:a14="http://schemas.microsoft.com/office/drawing/2010/main" w="9525">
+                  <a14:hiddenLine xmlns:a14="http://schemas.microsoft.com/office/drawing/2010/main" xmlns="" w="9525">
                     <a:solidFill>
                       <a:srgbClr val="000000"/>
                     </a:solidFill>
@@ -11792,7 +11792,7 @@
               </a:ln>
               <a:extLst>
                 <a:ext uri="{91240B29-F687-4f45-9708-019B960494DF}">
-                  <a14:hiddenLine xmlns="" xmlns:a14="http://schemas.microsoft.com/office/drawing/2010/main" w="9525">
+                  <a14:hiddenLine xmlns:a14="http://schemas.microsoft.com/office/drawing/2010/main" xmlns="" w="9525">
                     <a:solidFill>
                       <a:srgbClr val="000000"/>
                     </a:solidFill>
@@ -11882,7 +11882,7 @@
               </a:ln>
               <a:extLst>
                 <a:ext uri="{91240B29-F687-4f45-9708-019B960494DF}">
-                  <a14:hiddenLine xmlns="" xmlns:a14="http://schemas.microsoft.com/office/drawing/2010/main" w="9525">
+                  <a14:hiddenLine xmlns:a14="http://schemas.microsoft.com/office/drawing/2010/main" xmlns="" w="9525">
                     <a:solidFill>
                       <a:srgbClr val="000000"/>
                     </a:solidFill>
@@ -11916,7 +11916,7 @@
               </a:ln>
               <a:extLst>
                 <a:ext uri="{91240B29-F687-4f45-9708-019B960494DF}">
-                  <a14:hiddenLine xmlns="" xmlns:a14="http://schemas.microsoft.com/office/drawing/2010/main" w="9525">
+                  <a14:hiddenLine xmlns:a14="http://schemas.microsoft.com/office/drawing/2010/main" xmlns="" w="9525">
                     <a:solidFill>
                       <a:srgbClr val="000000"/>
                     </a:solidFill>
@@ -19430,6 +19430,60 @@
           <a:chExt cx="0" cy="0"/>
         </a:xfrm>
       </p:grpSpPr>
+      <p:sp>
+        <p:nvSpPr>
+          <p:cNvPr id="7" name="Rectangle 6">
+            <a:extLst>
+              <a:ext uri="{FF2B5EF4-FFF2-40B4-BE49-F238E27FC236}">
+                <a16:creationId xmlns:a16="http://schemas.microsoft.com/office/drawing/2014/main" id="{23B38A65-38CE-D707-FF07-BCC8D732B1AE}"/>
+              </a:ext>
+            </a:extLst>
+          </p:cNvPr>
+          <p:cNvSpPr/>
+          <p:nvPr/>
+        </p:nvSpPr>
+        <p:spPr>
+          <a:xfrm>
+            <a:off x="402085" y="3630353"/>
+            <a:ext cx="2261216" cy="1375925"/>
+          </a:xfrm>
+          <a:prstGeom prst="rect">
+            <a:avLst/>
+          </a:prstGeom>
+          <a:solidFill>
+            <a:schemeClr val="accent6"/>
+          </a:solidFill>
+          <a:ln>
+            <a:solidFill>
+              <a:schemeClr val="bg2"/>
+            </a:solidFill>
+          </a:ln>
+        </p:spPr>
+        <p:style>
+          <a:lnRef idx="2">
+            <a:schemeClr val="accent1">
+              <a:shade val="15000"/>
+            </a:schemeClr>
+          </a:lnRef>
+          <a:fillRef idx="1">
+            <a:schemeClr val="accent1"/>
+          </a:fillRef>
+          <a:effectRef idx="0">
+            <a:schemeClr val="accent1"/>
+          </a:effectRef>
+          <a:fontRef idx="minor">
+            <a:schemeClr val="lt1"/>
+          </a:fontRef>
+        </p:style>
+        <p:txBody>
+          <a:bodyPr rtlCol="0" anchor="ctr"/>
+          <a:lstStyle/>
+          <a:p>
+            <a:pPr algn="ctr"/>
+            <a:endParaRPr lang="en-US"/>
+          </a:p>
+        </p:txBody>
+      </p:sp>
       <p:pic>
         <p:nvPicPr>
           <p:cNvPr id="3" name="Picture 2">
@@ -19452,7 +19506,7 @@
         </p:blipFill>
         <p:spPr>
           <a:xfrm>
-            <a:off x="814524" y="199277"/>
+            <a:off x="184209" y="101071"/>
             <a:ext cx="6438531" cy="3331897"/>
           </a:xfrm>
           <a:prstGeom prst="rect">
@@ -19482,7 +19536,7 @@
         </p:blipFill>
         <p:spPr>
           <a:xfrm>
-            <a:off x="2285977" y="3573733"/>
+            <a:off x="2934047" y="3573733"/>
             <a:ext cx="5945844" cy="3084990"/>
           </a:xfrm>
           <a:prstGeom prst="rect">
@@ -19490,6 +19544,123 @@
           </a:prstGeom>
         </p:spPr>
       </p:pic>
+      <p:pic>
+        <p:nvPicPr>
+          <p:cNvPr id="2" name="Picture 1">
+            <a:hlinkClick r:id="rId4"/>
+            <a:extLst>
+              <a:ext uri="{FF2B5EF4-FFF2-40B4-BE49-F238E27FC236}">
+                <a16:creationId xmlns:a16="http://schemas.microsoft.com/office/drawing/2014/main" id="{B5E088D1-442E-CD70-A407-C4607CA67F88}"/>
+              </a:ext>
+            </a:extLst>
+          </p:cNvPr>
+          <p:cNvPicPr>
+            <a:picLocks noChangeAspect="1"/>
+          </p:cNvPicPr>
+          <p:nvPr/>
+        </p:nvPicPr>
+        <p:blipFill>
+          <a:blip r:embed="rId5"/>
+          <a:stretch>
+            <a:fillRect/>
+          </a:stretch>
+        </p:blipFill>
+        <p:spPr>
+          <a:xfrm>
+            <a:off x="1146700" y="4158633"/>
+            <a:ext cx="676923" cy="676923"/>
+          </a:xfrm>
+          <a:prstGeom prst="rect">
+            <a:avLst/>
+          </a:prstGeom>
+        </p:spPr>
+      </p:pic>
+      <p:sp>
+        <p:nvSpPr>
+          <p:cNvPr id="6" name="TextBox 5">
+            <a:extLst>
+              <a:ext uri="{FF2B5EF4-FFF2-40B4-BE49-F238E27FC236}">
+                <a16:creationId xmlns:a16="http://schemas.microsoft.com/office/drawing/2014/main" id="{CE8CBDDF-9200-97AF-5425-411A3A7C0A85}"/>
+              </a:ext>
+            </a:extLst>
+          </p:cNvPr>
+          <p:cNvSpPr txBox="1"/>
+          <p:nvPr/>
+        </p:nvSpPr>
+        <p:spPr>
+          <a:xfrm>
+            <a:off x="532661" y="3743134"/>
+            <a:ext cx="4580876" cy="830997"/>
+          </a:xfrm>
+          <a:prstGeom prst="rect">
+            <a:avLst/>
+          </a:prstGeom>
+          <a:noFill/>
+        </p:spPr>
+        <p:txBody>
+          <a:bodyPr wrap="square">
+            <a:spAutoFit/>
+          </a:bodyPr>
+          <a:lstStyle/>
+          <a:p>
+            <a:pPr marL="0" indent="0">
+              <a:buNone/>
+            </a:pPr>
+            <a:r>
+              <a:rPr lang="en-US" sz="1800" b="1" dirty="0" err="1">
+                <a:solidFill>
+                  <a:schemeClr val="bg1"/>
+                </a:solidFill>
+              </a:rPr>
+              <a:t>Acces</a:t>
+            </a:r>
+            <a:r>
+              <a:rPr lang="en-US" sz="1800" b="1" dirty="0">
+                <a:solidFill>
+                  <a:schemeClr val="bg1"/>
+                </a:solidFill>
+              </a:rPr>
+              <a:t> </a:t>
+            </a:r>
+            <a:r>
+              <a:rPr lang="en-US" sz="1800" b="1" dirty="0" err="1">
+                <a:solidFill>
+                  <a:schemeClr val="bg1"/>
+                </a:solidFill>
+              </a:rPr>
+              <a:t>catre</a:t>
+            </a:r>
+            <a:r>
+              <a:rPr lang="en-US" sz="1800" b="1" dirty="0">
+                <a:solidFill>
+                  <a:schemeClr val="bg1"/>
+                </a:solidFill>
+              </a:rPr>
+              <a:t> GitHub</a:t>
+            </a:r>
+          </a:p>
+          <a:p>
+            <a:pPr marL="0" indent="0">
+              <a:buNone/>
+            </a:pPr>
+            <a:endParaRPr lang="en-US" sz="1800" b="1" dirty="0">
+              <a:solidFill>
+                <a:schemeClr val="bg1"/>
+              </a:solidFill>
+            </a:endParaRPr>
+          </a:p>
+          <a:p>
+            <a:pPr marL="0" indent="0">
+              <a:buNone/>
+            </a:pPr>
+            <a:endParaRPr lang="en-US" sz="1200" b="1" dirty="0">
+              <a:solidFill>
+                <a:schemeClr val="bg1"/>
+              </a:solidFill>
+            </a:endParaRPr>
+          </a:p>
+        </p:txBody>
+      </p:sp>
     </p:spTree>
   </p:cSld>
   <p:clrMapOvr>
